--- a/Battle of The Neighborhoods.pptx
+++ b/Battle of The Neighborhoods.pptx
@@ -3146,12 +3146,12 @@
               <a:t>The data clusters show that the area in the </a:t>
             </a:r>
             <a:r>
-              <a:rPr lang="en-US" dirty="0" err="1" smtClean="0"/>
-              <a:t>centre</a:t>
-            </a:r>
-            <a:r>
               <a:rPr lang="en-US" dirty="0" smtClean="0"/>
-              <a:t> and the area in the east has existing Middle Eastern restaurants with the central part very dense with restaurants so the competition would be extremely high. The West area is almost empty without any restaurants or food courts, it's almost like a residential area. However, the north part has a couple of restaurants and certainly it does not have any Egyptian or Middle Eastern restaurants, so this seems like a good area to open a restaurant.</a:t>
+              <a:t>center </a:t>
+            </a:r>
+            <a:r>
+              <a:rPr lang="en-US" dirty="0" smtClean="0"/>
+              <a:t>and the area in the east has existing Middle Eastern restaurants with the central part very dense with restaurants so the competition would be extremely high. The West area is almost empty without any restaurants or food courts, it's almost like a residential area. However, the north part has a couple of restaurants and certainly it does not have any Egyptian or Middle Eastern restaurants, so this seems like a good area to open a restaurant.</a:t>
             </a:r>
             <a:endParaRPr lang="en-US" dirty="0"/>
           </a:p>
@@ -3633,11 +3633,7 @@
             </a:r>
             <a:r>
               <a:rPr lang="en-US" smtClean="0"/>
-              <a:t>are </a:t>
-            </a:r>
-            <a:r>
-              <a:rPr lang="en-US" smtClean="0"/>
-              <a:t>concentrated. </a:t>
+              <a:t>are concentrated. </a:t>
             </a:r>
             <a:r>
               <a:rPr lang="en-US" dirty="0" smtClean="0"/>
@@ -3973,15 +3969,15 @@
             </a:r>
             <a:r>
               <a:rPr lang="en-US" dirty="0" smtClean="0"/>
-              <a:t>ikipedia and the geospatial data where concatenate according to the right postal code. After the data was set, it was filtered to </a:t>
-            </a:r>
-            <a:r>
-              <a:rPr lang="en-US" dirty="0" err="1" smtClean="0"/>
-              <a:t>to</a:t>
+              <a:t>ikipedia and the geospatial data where concatenate according to the right postal code. After the data was set, it was filtered </a:t>
             </a:r>
             <a:r>
               <a:rPr lang="en-US" dirty="0" smtClean="0"/>
-              <a:t> only work in with the data in Toronto. I started by finding all the venues in Greater Toronto using Foursquare API.</a:t>
+              <a:t>to only </a:t>
+            </a:r>
+            <a:r>
+              <a:rPr lang="en-US" dirty="0" smtClean="0"/>
+              <a:t>work in with the data in Toronto. I started by finding all the venues in Greater Toronto using Foursquare API.</a:t>
             </a:r>
           </a:p>
         </p:txBody>
